--- a/PoshberryPi.pptx
+++ b/PoshberryPi.pptx
@@ -11,7 +11,8 @@
     <p:sldId id="279" r:id="rId5"/>
     <p:sldId id="278" r:id="rId6"/>
     <p:sldId id="269" r:id="rId7"/>
-    <p:sldId id="264" r:id="rId8"/>
+    <p:sldId id="281" r:id="rId8"/>
+    <p:sldId id="264" r:id="rId9"/>
   </p:sldIdLst>
   <p:sldSz cx="12192000" cy="6858000"/>
   <p:notesSz cx="6858000" cy="9144000"/>
@@ -124,6 +125,7 @@
             <p14:sldId id="279"/>
             <p14:sldId id="278"/>
             <p14:sldId id="269"/>
+            <p14:sldId id="281"/>
             <p14:sldId id="264"/>
           </p14:sldIdLst>
         </p14:section>
@@ -3625,20 +3627,8 @@
           </a:p>
           <a:p>
             <a:r>
-              <a:rPr lang="en-NZ"/>
-              <a:t>A brief </a:t>
-            </a:r>
-            <a:r>
               <a:rPr lang="en-NZ" dirty="0"/>
-              <a:t>h</a:t>
-            </a:r>
-            <a:r>
-              <a:rPr lang="en-NZ"/>
-              <a:t>istory </a:t>
-            </a:r>
-            <a:r>
-              <a:rPr lang="en-NZ" dirty="0"/>
-              <a:t>of PowerShell core on ARM</a:t>
+              <a:t>A brief history of PowerShell core on ARM</a:t>
             </a:r>
           </a:p>
           <a:p>
@@ -3743,6 +3733,157 @@
 </file>
 
 <file path=ppt/slides/slide7.xml><?xml version="1.0" encoding="utf-8"?>
+<p:sld xmlns:a="http://schemas.openxmlformats.org/drawingml/2006/main" xmlns:r="http://schemas.openxmlformats.org/officeDocument/2006/relationships" xmlns:p="http://schemas.openxmlformats.org/presentationml/2006/main">
+  <p:cSld>
+    <p:spTree>
+      <p:nvGrpSpPr>
+        <p:cNvPr id="1" name=""/>
+        <p:cNvGrpSpPr/>
+        <p:nvPr/>
+      </p:nvGrpSpPr>
+      <p:grpSpPr>
+        <a:xfrm>
+          <a:off x="0" y="0"/>
+          <a:ext cx="0" cy="0"/>
+          <a:chOff x="0" y="0"/>
+          <a:chExt cx="0" cy="0"/>
+        </a:xfrm>
+      </p:grpSpPr>
+      <p:sp>
+        <p:nvSpPr>
+          <p:cNvPr id="2" name="Title 1"/>
+          <p:cNvSpPr>
+            <a:spLocks noGrp="1"/>
+          </p:cNvSpPr>
+          <p:nvPr>
+            <p:ph type="title"/>
+          </p:nvPr>
+        </p:nvSpPr>
+        <p:spPr/>
+        <p:txBody>
+          <a:bodyPr/>
+          <a:lstStyle/>
+          <a:p>
+            <a:r>
+              <a:rPr lang="en-NZ" b="1" dirty="0"/>
+              <a:t>Recommended Reading</a:t>
+            </a:r>
+          </a:p>
+        </p:txBody>
+      </p:sp>
+      <p:sp>
+        <p:nvSpPr>
+          <p:cNvPr id="3" name="Content Placeholder 2"/>
+          <p:cNvSpPr>
+            <a:spLocks noGrp="1"/>
+          </p:cNvSpPr>
+          <p:nvPr>
+            <p:ph idx="1"/>
+          </p:nvPr>
+        </p:nvSpPr>
+        <p:spPr/>
+        <p:txBody>
+          <a:bodyPr/>
+          <a:lstStyle/>
+          <a:p>
+            <a:endParaRPr lang="en-NZ" dirty="0"/>
+          </a:p>
+          <a:p>
+            <a:r>
+              <a:rPr lang="en-NZ" dirty="0"/>
+              <a:t>C# 6.0 and the .NET 4.6 Framework</a:t>
+            </a:r>
+          </a:p>
+          <a:p>
+            <a:pPr lvl="1"/>
+            <a:r>
+              <a:rPr lang="en-NZ" dirty="0"/>
+              <a:t>Andrew </a:t>
+            </a:r>
+            <a:r>
+              <a:rPr lang="en-NZ" dirty="0" err="1"/>
+              <a:t>Troelsen</a:t>
+            </a:r>
+            <a:r>
+              <a:rPr lang="en-NZ" dirty="0"/>
+              <a:t> &amp; Philip </a:t>
+            </a:r>
+            <a:r>
+              <a:rPr lang="en-NZ" dirty="0" err="1"/>
+              <a:t>Japikse</a:t>
+            </a:r>
+            <a:endParaRPr lang="en-NZ" dirty="0"/>
+          </a:p>
+          <a:p>
+            <a:r>
+              <a:rPr lang="en-NZ" dirty="0"/>
+              <a:t>TCP/IP Sockets in C#</a:t>
+            </a:r>
+          </a:p>
+          <a:p>
+            <a:pPr lvl="1"/>
+            <a:r>
+              <a:rPr lang="en-NZ" dirty="0"/>
+              <a:t>David </a:t>
+            </a:r>
+            <a:r>
+              <a:rPr lang="en-NZ" dirty="0" err="1"/>
+              <a:t>Makofske</a:t>
+            </a:r>
+            <a:r>
+              <a:rPr lang="en-NZ" dirty="0"/>
+              <a:t>, Michael </a:t>
+            </a:r>
+            <a:r>
+              <a:rPr lang="en-NZ" dirty="0" err="1"/>
+              <a:t>Donahoo</a:t>
+            </a:r>
+            <a:r>
+              <a:rPr lang="en-NZ" dirty="0"/>
+              <a:t>, Kenneth Calvert</a:t>
+            </a:r>
+          </a:p>
+          <a:p>
+            <a:r>
+              <a:rPr lang="en-US" dirty="0">
+                <a:hlinkClick r:id="rId2"/>
+              </a:rPr>
+              <a:t>Building a TCP Server Using PowerShell</a:t>
+            </a:r>
+            <a:endParaRPr lang="en-NZ" dirty="0"/>
+          </a:p>
+          <a:p>
+            <a:pPr lvl="1"/>
+            <a:r>
+              <a:rPr lang="en-NZ" dirty="0" err="1"/>
+              <a:t>Boe</a:t>
+            </a:r>
+            <a:r>
+              <a:rPr lang="en-NZ" dirty="0"/>
+              <a:t> </a:t>
+            </a:r>
+            <a:r>
+              <a:rPr lang="en-NZ" dirty="0" err="1"/>
+              <a:t>Prox</a:t>
+            </a:r>
+            <a:endParaRPr lang="en-NZ" dirty="0"/>
+          </a:p>
+        </p:txBody>
+      </p:sp>
+    </p:spTree>
+    <p:extLst>
+      <p:ext uri="{BB962C8B-B14F-4D97-AF65-F5344CB8AC3E}">
+        <p14:creationId xmlns:p14="http://schemas.microsoft.com/office/powerpoint/2010/main" val="2289382262"/>
+      </p:ext>
+    </p:extLst>
+  </p:cSld>
+  <p:clrMapOvr>
+    <a:masterClrMapping/>
+  </p:clrMapOvr>
+</p:sld>
+</file>
+
+<file path=ppt/slides/slide8.xml><?xml version="1.0" encoding="utf-8"?>
 <p:sld xmlns:a="http://schemas.openxmlformats.org/drawingml/2006/main" xmlns:r="http://schemas.openxmlformats.org/officeDocument/2006/relationships" xmlns:p="http://schemas.openxmlformats.org/presentationml/2006/main">
   <p:cSld>
     <p:spTree>
